--- a/logo/logo.pptx
+++ b/logo/logo.pptx
@@ -8,6 +8,7 @@
     <p:sldId id="256" r:id="rId2"/>
     <p:sldId id="257" r:id="rId3"/>
     <p:sldId id="258" r:id="rId4"/>
+    <p:sldId id="259" r:id="rId5"/>
   </p:sldIdLst>
   <p:sldSz cx="12192000" cy="6858000"/>
   <p:notesSz cx="6858000" cy="9144000"/>
@@ -261,7 +262,7 @@
           <a:p>
             <a:fld id="{3BE2C838-CE04-4357-99F6-BA540A1F8876}" type="datetimeFigureOut">
               <a:rPr lang="en-US" smtClean="0"/>
-              <a:t>9/1/2021</a:t>
+              <a:t>9/2/2021</a:t>
             </a:fld>
             <a:endParaRPr lang="en-US"/>
           </a:p>
@@ -459,7 +460,7 @@
           <a:p>
             <a:fld id="{3BE2C838-CE04-4357-99F6-BA540A1F8876}" type="datetimeFigureOut">
               <a:rPr lang="en-US" smtClean="0"/>
-              <a:t>9/1/2021</a:t>
+              <a:t>9/2/2021</a:t>
             </a:fld>
             <a:endParaRPr lang="en-US"/>
           </a:p>
@@ -667,7 +668,7 @@
           <a:p>
             <a:fld id="{3BE2C838-CE04-4357-99F6-BA540A1F8876}" type="datetimeFigureOut">
               <a:rPr lang="en-US" smtClean="0"/>
-              <a:t>9/1/2021</a:t>
+              <a:t>9/2/2021</a:t>
             </a:fld>
             <a:endParaRPr lang="en-US"/>
           </a:p>
@@ -865,7 +866,7 @@
           <a:p>
             <a:fld id="{3BE2C838-CE04-4357-99F6-BA540A1F8876}" type="datetimeFigureOut">
               <a:rPr lang="en-US" smtClean="0"/>
-              <a:t>9/1/2021</a:t>
+              <a:t>9/2/2021</a:t>
             </a:fld>
             <a:endParaRPr lang="en-US"/>
           </a:p>
@@ -1140,7 +1141,7 @@
           <a:p>
             <a:fld id="{3BE2C838-CE04-4357-99F6-BA540A1F8876}" type="datetimeFigureOut">
               <a:rPr lang="en-US" smtClean="0"/>
-              <a:t>9/1/2021</a:t>
+              <a:t>9/2/2021</a:t>
             </a:fld>
             <a:endParaRPr lang="en-US"/>
           </a:p>
@@ -1405,7 +1406,7 @@
           <a:p>
             <a:fld id="{3BE2C838-CE04-4357-99F6-BA540A1F8876}" type="datetimeFigureOut">
               <a:rPr lang="en-US" smtClean="0"/>
-              <a:t>9/1/2021</a:t>
+              <a:t>9/2/2021</a:t>
             </a:fld>
             <a:endParaRPr lang="en-US"/>
           </a:p>
@@ -1817,7 +1818,7 @@
           <a:p>
             <a:fld id="{3BE2C838-CE04-4357-99F6-BA540A1F8876}" type="datetimeFigureOut">
               <a:rPr lang="en-US" smtClean="0"/>
-              <a:t>9/1/2021</a:t>
+              <a:t>9/2/2021</a:t>
             </a:fld>
             <a:endParaRPr lang="en-US"/>
           </a:p>
@@ -1958,7 +1959,7 @@
           <a:p>
             <a:fld id="{3BE2C838-CE04-4357-99F6-BA540A1F8876}" type="datetimeFigureOut">
               <a:rPr lang="en-US" smtClean="0"/>
-              <a:t>9/1/2021</a:t>
+              <a:t>9/2/2021</a:t>
             </a:fld>
             <a:endParaRPr lang="en-US"/>
           </a:p>
@@ -2071,7 +2072,7 @@
           <a:p>
             <a:fld id="{3BE2C838-CE04-4357-99F6-BA540A1F8876}" type="datetimeFigureOut">
               <a:rPr lang="en-US" smtClean="0"/>
-              <a:t>9/1/2021</a:t>
+              <a:t>9/2/2021</a:t>
             </a:fld>
             <a:endParaRPr lang="en-US"/>
           </a:p>
@@ -2382,7 +2383,7 @@
           <a:p>
             <a:fld id="{3BE2C838-CE04-4357-99F6-BA540A1F8876}" type="datetimeFigureOut">
               <a:rPr lang="en-US" smtClean="0"/>
-              <a:t>9/1/2021</a:t>
+              <a:t>9/2/2021</a:t>
             </a:fld>
             <a:endParaRPr lang="en-US"/>
           </a:p>
@@ -2670,7 +2671,7 @@
           <a:p>
             <a:fld id="{3BE2C838-CE04-4357-99F6-BA540A1F8876}" type="datetimeFigureOut">
               <a:rPr lang="en-US" smtClean="0"/>
-              <a:t>9/1/2021</a:t>
+              <a:t>9/2/2021</a:t>
             </a:fld>
             <a:endParaRPr lang="en-US"/>
           </a:p>
@@ -2911,7 +2912,7 @@
           <a:p>
             <a:fld id="{3BE2C838-CE04-4357-99F6-BA540A1F8876}" type="datetimeFigureOut">
               <a:rPr lang="en-US" smtClean="0"/>
-              <a:t>9/1/2021</a:t>
+              <a:t>9/2/2021</a:t>
             </a:fld>
             <a:endParaRPr lang="en-US"/>
           </a:p>
@@ -4271,6 +4272,339 @@
 </p:sld>
 </file>
 
+<file path=ppt/slides/slide4.xml><?xml version="1.0" encoding="utf-8"?>
+<p:sld xmlns:a="http://schemas.openxmlformats.org/drawingml/2006/main" xmlns:r="http://schemas.openxmlformats.org/officeDocument/2006/relationships" xmlns:p="http://schemas.openxmlformats.org/presentationml/2006/main">
+  <p:cSld>
+    <p:spTree>
+      <p:nvGrpSpPr>
+        <p:cNvPr id="1" name=""/>
+        <p:cNvGrpSpPr/>
+        <p:nvPr/>
+      </p:nvGrpSpPr>
+      <p:grpSpPr>
+        <a:xfrm>
+          <a:off x="0" y="0"/>
+          <a:ext cx="0" cy="0"/>
+          <a:chOff x="0" y="0"/>
+          <a:chExt cx="0" cy="0"/>
+        </a:xfrm>
+      </p:grpSpPr>
+      <p:grpSp>
+        <p:nvGrpSpPr>
+          <p:cNvPr id="43" name="Group 42">
+            <a:extLst>
+              <a:ext uri="{FF2B5EF4-FFF2-40B4-BE49-F238E27FC236}">
+                <a16:creationId xmlns:a16="http://schemas.microsoft.com/office/drawing/2014/main" id="{CB3DE32D-CA5E-42C6-81A6-0A2C3A52DEBA}"/>
+              </a:ext>
+            </a:extLst>
+          </p:cNvPr>
+          <p:cNvGrpSpPr/>
+          <p:nvPr/>
+        </p:nvGrpSpPr>
+        <p:grpSpPr>
+          <a:xfrm>
+            <a:off x="1219200" y="618486"/>
+            <a:ext cx="6057582" cy="5145150"/>
+            <a:chOff x="1219200" y="618486"/>
+            <a:chExt cx="6057582" cy="5145150"/>
+          </a:xfrm>
+        </p:grpSpPr>
+        <p:pic>
+          <p:nvPicPr>
+            <p:cNvPr id="5" name="Picture 4" descr="Engineering drawing&#10;&#10;Description automatically generated">
+              <a:extLst>
+                <a:ext uri="{FF2B5EF4-FFF2-40B4-BE49-F238E27FC236}">
+                  <a16:creationId xmlns:a16="http://schemas.microsoft.com/office/drawing/2014/main" id="{64C1900B-2B7A-45B3-ACBF-93F47A2CE032}"/>
+                </a:ext>
+              </a:extLst>
+            </p:cNvPr>
+            <p:cNvPicPr>
+              <a:picLocks noChangeAspect="1"/>
+            </p:cNvPicPr>
+            <p:nvPr/>
+          </p:nvPicPr>
+          <p:blipFill>
+            <a:blip r:embed="rId2">
+              <a:extLst>
+                <a:ext uri="{28A0092B-C50C-407E-A947-70E740481C1C}">
+                  <a14:useLocalDpi xmlns:a14="http://schemas.microsoft.com/office/drawing/2010/main" val="0"/>
+                </a:ext>
+              </a:extLst>
+            </a:blip>
+            <a:stretch>
+              <a:fillRect/>
+            </a:stretch>
+          </p:blipFill>
+          <p:spPr>
+            <a:xfrm>
+              <a:off x="1219200" y="1192992"/>
+              <a:ext cx="6057582" cy="4570644"/>
+            </a:xfrm>
+            <a:prstGeom prst="rect">
+              <a:avLst/>
+            </a:prstGeom>
+          </p:spPr>
+        </p:pic>
+        <p:sp>
+          <p:nvSpPr>
+            <p:cNvPr id="39" name="Rectangle 38">
+              <a:extLst>
+                <a:ext uri="{FF2B5EF4-FFF2-40B4-BE49-F238E27FC236}">
+                  <a16:creationId xmlns:a16="http://schemas.microsoft.com/office/drawing/2014/main" id="{452143FE-8E7F-41D1-B802-4DFBD48BBF21}"/>
+                </a:ext>
+              </a:extLst>
+            </p:cNvPr>
+            <p:cNvSpPr/>
+            <p:nvPr/>
+          </p:nvSpPr>
+          <p:spPr>
+            <a:xfrm>
+              <a:off x="5283658" y="618486"/>
+              <a:ext cx="1579278" cy="1015663"/>
+            </a:xfrm>
+            <a:prstGeom prst="rect">
+              <a:avLst/>
+            </a:prstGeom>
+            <a:noFill/>
+          </p:spPr>
+          <p:txBody>
+            <a:bodyPr wrap="none" lIns="91440" tIns="45720" rIns="91440" bIns="45720">
+              <a:spAutoFit/>
+            </a:bodyPr>
+            <a:lstStyle/>
+            <a:p>
+              <a:pPr algn="ctr"/>
+              <a:r>
+                <a:rPr lang="en-US" sz="6000" b="1" cap="none" spc="-300" dirty="0" err="1">
+                  <a:ln w="0"/>
+                  <a:solidFill>
+                    <a:schemeClr val="bg1"/>
+                  </a:solidFill>
+                  <a:effectLst>
+                    <a:outerShdw blurRad="38100" dist="19050" dir="2700000" algn="tl" rotWithShape="0">
+                      <a:schemeClr val="dk1">
+                        <a:alpha val="40000"/>
+                      </a:schemeClr>
+                    </a:outerShdw>
+                  </a:effectLst>
+                  <a:latin typeface="Bahnschrift SemiBold" panose="020B0502040204020203" pitchFamily="34" charset="0"/>
+                  <a:ea typeface="Source Sans Pro SemiBold" panose="020B0603030403020204" pitchFamily="34" charset="0"/>
+                  <a:cs typeface="Open Sans" panose="020B0606030504020204" pitchFamily="34" charset="0"/>
+                </a:rPr>
+                <a:t>asre</a:t>
+              </a:r>
+              <a:endParaRPr lang="en-US" sz="6000" b="1" cap="none" spc="-300" dirty="0">
+                <a:ln w="0"/>
+                <a:solidFill>
+                  <a:schemeClr val="bg1"/>
+                </a:solidFill>
+                <a:effectLst>
+                  <a:outerShdw blurRad="38100" dist="19050" dir="2700000" algn="tl" rotWithShape="0">
+                    <a:schemeClr val="dk1">
+                      <a:alpha val="40000"/>
+                    </a:schemeClr>
+                  </a:outerShdw>
+                </a:effectLst>
+                <a:latin typeface="Bahnschrift SemiBold" panose="020B0502040204020203" pitchFamily="34" charset="0"/>
+                <a:ea typeface="Source Sans Pro SemiBold" panose="020B0603030403020204" pitchFamily="34" charset="0"/>
+                <a:cs typeface="Open Sans" panose="020B0606030504020204" pitchFamily="34" charset="0"/>
+              </a:endParaRPr>
+            </a:p>
+          </p:txBody>
+        </p:sp>
+        <p:sp>
+          <p:nvSpPr>
+            <p:cNvPr id="40" name="Rectangle 39">
+              <a:extLst>
+                <a:ext uri="{FF2B5EF4-FFF2-40B4-BE49-F238E27FC236}">
+                  <a16:creationId xmlns:a16="http://schemas.microsoft.com/office/drawing/2014/main" id="{5C64F8B4-6013-497B-AB24-53FD0C4A5A44}"/>
+                </a:ext>
+              </a:extLst>
+            </p:cNvPr>
+            <p:cNvSpPr/>
+            <p:nvPr/>
+          </p:nvSpPr>
+          <p:spPr>
+            <a:xfrm>
+              <a:off x="6088965" y="1386924"/>
+              <a:ext cx="184731" cy="400110"/>
+            </a:xfrm>
+            <a:prstGeom prst="rect">
+              <a:avLst/>
+            </a:prstGeom>
+            <a:noFill/>
+          </p:spPr>
+          <p:txBody>
+            <a:bodyPr wrap="none" lIns="91440" tIns="45720" rIns="91440" bIns="45720">
+              <a:spAutoFit/>
+            </a:bodyPr>
+            <a:lstStyle/>
+            <a:p>
+              <a:pPr algn="ctr"/>
+              <a:endParaRPr lang="en-US" sz="2000" b="1" kern="1700" cap="none" spc="600" dirty="0">
+                <a:ln w="0"/>
+                <a:solidFill>
+                  <a:srgbClr val="0A2B3D"/>
+                </a:solidFill>
+                <a:latin typeface="Bahnschrift Light Condensed" panose="020B0502040204020203" pitchFamily="34" charset="0"/>
+                <a:ea typeface="Source Sans Pro SemiBold" panose="020B0603030403020204" pitchFamily="34" charset="0"/>
+                <a:cs typeface="Open Sans" panose="020B0606030504020204" pitchFamily="34" charset="0"/>
+              </a:endParaRPr>
+            </a:p>
+          </p:txBody>
+        </p:sp>
+        <p:pic>
+          <p:nvPicPr>
+            <p:cNvPr id="41" name="Picture 40" descr="Icon&#10;&#10;Description automatically generated">
+              <a:extLst>
+                <a:ext uri="{FF2B5EF4-FFF2-40B4-BE49-F238E27FC236}">
+                  <a16:creationId xmlns:a16="http://schemas.microsoft.com/office/drawing/2014/main" id="{B0E06E75-1E1E-45CD-96F4-5AA4D0B0745C}"/>
+                </a:ext>
+              </a:extLst>
+            </p:cNvPr>
+            <p:cNvPicPr>
+              <a:picLocks noChangeAspect="1"/>
+            </p:cNvPicPr>
+            <p:nvPr/>
+          </p:nvPicPr>
+          <p:blipFill>
+            <a:blip r:embed="rId3">
+              <a:extLst>
+                <a:ext uri="{28A0092B-C50C-407E-A947-70E740481C1C}">
+                  <a14:useLocalDpi xmlns:a14="http://schemas.microsoft.com/office/drawing/2010/main" val="0"/>
+                </a:ext>
+              </a:extLst>
+            </a:blip>
+            <a:stretch>
+              <a:fillRect/>
+            </a:stretch>
+          </p:blipFill>
+          <p:spPr>
+            <a:xfrm>
+              <a:off x="4795901" y="956986"/>
+              <a:ext cx="561892" cy="561892"/>
+            </a:xfrm>
+            <a:prstGeom prst="rect">
+              <a:avLst/>
+            </a:prstGeom>
+          </p:spPr>
+        </p:pic>
+        <p:sp>
+          <p:nvSpPr>
+            <p:cNvPr id="37" name="Half Frame 36">
+              <a:extLst>
+                <a:ext uri="{FF2B5EF4-FFF2-40B4-BE49-F238E27FC236}">
+                  <a16:creationId xmlns:a16="http://schemas.microsoft.com/office/drawing/2014/main" id="{C45E5FFA-47FF-43FD-95BD-6B73FB02E495}"/>
+                </a:ext>
+              </a:extLst>
+            </p:cNvPr>
+            <p:cNvSpPr/>
+            <p:nvPr/>
+          </p:nvSpPr>
+          <p:spPr>
+            <a:xfrm rot="5400000" flipH="1">
+              <a:off x="5701999" y="383089"/>
+              <a:ext cx="112012" cy="2159565"/>
+            </a:xfrm>
+            <a:prstGeom prst="halfFrame">
+              <a:avLst/>
+            </a:prstGeom>
+            <a:solidFill>
+              <a:srgbClr val="FF5D39"/>
+            </a:solidFill>
+            <a:ln>
+              <a:solidFill>
+                <a:srgbClr val="FF5D39"/>
+              </a:solidFill>
+            </a:ln>
+          </p:spPr>
+          <p:style>
+            <a:lnRef idx="2">
+              <a:schemeClr val="accent1">
+                <a:shade val="50000"/>
+              </a:schemeClr>
+            </a:lnRef>
+            <a:fillRef idx="1">
+              <a:schemeClr val="accent1"/>
+            </a:fillRef>
+            <a:effectRef idx="0">
+              <a:schemeClr val="accent1"/>
+            </a:effectRef>
+            <a:fontRef idx="minor">
+              <a:schemeClr val="lt1"/>
+            </a:fontRef>
+          </p:style>
+          <p:txBody>
+            <a:bodyPr rtlCol="0" anchor="ctr"/>
+            <a:lstStyle/>
+            <a:p>
+              <a:pPr algn="ctr"/>
+              <a:endParaRPr lang="en-US">
+                <a:solidFill>
+                  <a:schemeClr val="tx1"/>
+                </a:solidFill>
+              </a:endParaRPr>
+            </a:p>
+          </p:txBody>
+        </p:sp>
+        <p:sp>
+          <p:nvSpPr>
+            <p:cNvPr id="38" name="Rectangle 37">
+              <a:extLst>
+                <a:ext uri="{FF2B5EF4-FFF2-40B4-BE49-F238E27FC236}">
+                  <a16:creationId xmlns:a16="http://schemas.microsoft.com/office/drawing/2014/main" id="{5758D804-F5D8-401C-8ED8-92E76505B38D}"/>
+                </a:ext>
+              </a:extLst>
+            </p:cNvPr>
+            <p:cNvSpPr/>
+            <p:nvPr/>
+          </p:nvSpPr>
+          <p:spPr>
+            <a:xfrm>
+              <a:off x="4795901" y="1468421"/>
+              <a:ext cx="2159566" cy="338554"/>
+            </a:xfrm>
+            <a:prstGeom prst="rect">
+              <a:avLst/>
+            </a:prstGeom>
+            <a:noFill/>
+          </p:spPr>
+          <p:txBody>
+            <a:bodyPr wrap="none" lIns="91440" tIns="45720" rIns="91440" bIns="45720">
+              <a:spAutoFit/>
+            </a:bodyPr>
+            <a:lstStyle/>
+            <a:p>
+              <a:pPr algn="ctr"/>
+              <a:r>
+                <a:rPr lang="en-US" sz="1600" b="1" cap="none" spc="600" dirty="0">
+                  <a:ln w="0"/>
+                  <a:solidFill>
+                    <a:schemeClr val="bg1"/>
+                  </a:solidFill>
+                  <a:latin typeface="Bahnschrift SemiBold" panose="020B0502040204020203" pitchFamily="34" charset="0"/>
+                  <a:ea typeface="Source Sans Pro SemiBold" panose="020B0603030403020204" pitchFamily="34" charset="0"/>
+                  <a:cs typeface="Open Sans" panose="020B0606030504020204" pitchFamily="34" charset="0"/>
+                </a:rPr>
+                <a:t>investments</a:t>
+              </a:r>
+            </a:p>
+          </p:txBody>
+        </p:sp>
+      </p:grpSp>
+    </p:spTree>
+    <p:extLst>
+      <p:ext uri="{BB962C8B-B14F-4D97-AF65-F5344CB8AC3E}">
+        <p14:creationId xmlns:p14="http://schemas.microsoft.com/office/powerpoint/2010/main" val="3490245961"/>
+      </p:ext>
+    </p:extLst>
+  </p:cSld>
+  <p:clrMapOvr>
+    <a:masterClrMapping/>
+  </p:clrMapOvr>
+</p:sld>
+</file>
+
 <file path=ppt/theme/theme1.xml><?xml version="1.0" encoding="utf-8"?>
 <a:theme xmlns:a="http://schemas.openxmlformats.org/drawingml/2006/main" name="Office Theme">
   <a:themeElements>

--- a/logo/logo.pptx
+++ b/logo/logo.pptx
@@ -7,8 +7,9 @@
   <p:sldIdLst>
     <p:sldId id="256" r:id="rId2"/>
     <p:sldId id="257" r:id="rId3"/>
-    <p:sldId id="258" r:id="rId4"/>
-    <p:sldId id="259" r:id="rId5"/>
+    <p:sldId id="260" r:id="rId4"/>
+    <p:sldId id="258" r:id="rId5"/>
+    <p:sldId id="259" r:id="rId6"/>
   </p:sldIdLst>
   <p:sldSz cx="12192000" cy="6858000"/>
   <p:notesSz cx="6858000" cy="9144000"/>
@@ -262,7 +263,7 @@
           <a:p>
             <a:fld id="{3BE2C838-CE04-4357-99F6-BA540A1F8876}" type="datetimeFigureOut">
               <a:rPr lang="en-US" smtClean="0"/>
-              <a:t>9/2/2021</a:t>
+              <a:t>10/11/24</a:t>
             </a:fld>
             <a:endParaRPr lang="en-US"/>
           </a:p>
@@ -460,7 +461,7 @@
           <a:p>
             <a:fld id="{3BE2C838-CE04-4357-99F6-BA540A1F8876}" type="datetimeFigureOut">
               <a:rPr lang="en-US" smtClean="0"/>
-              <a:t>9/2/2021</a:t>
+              <a:t>10/11/24</a:t>
             </a:fld>
             <a:endParaRPr lang="en-US"/>
           </a:p>
@@ -668,7 +669,7 @@
           <a:p>
             <a:fld id="{3BE2C838-CE04-4357-99F6-BA540A1F8876}" type="datetimeFigureOut">
               <a:rPr lang="en-US" smtClean="0"/>
-              <a:t>9/2/2021</a:t>
+              <a:t>10/11/24</a:t>
             </a:fld>
             <a:endParaRPr lang="en-US"/>
           </a:p>
@@ -866,7 +867,7 @@
           <a:p>
             <a:fld id="{3BE2C838-CE04-4357-99F6-BA540A1F8876}" type="datetimeFigureOut">
               <a:rPr lang="en-US" smtClean="0"/>
-              <a:t>9/2/2021</a:t>
+              <a:t>10/11/24</a:t>
             </a:fld>
             <a:endParaRPr lang="en-US"/>
           </a:p>
@@ -1141,7 +1142,7 @@
           <a:p>
             <a:fld id="{3BE2C838-CE04-4357-99F6-BA540A1F8876}" type="datetimeFigureOut">
               <a:rPr lang="en-US" smtClean="0"/>
-              <a:t>9/2/2021</a:t>
+              <a:t>10/11/24</a:t>
             </a:fld>
             <a:endParaRPr lang="en-US"/>
           </a:p>
@@ -1406,7 +1407,7 @@
           <a:p>
             <a:fld id="{3BE2C838-CE04-4357-99F6-BA540A1F8876}" type="datetimeFigureOut">
               <a:rPr lang="en-US" smtClean="0"/>
-              <a:t>9/2/2021</a:t>
+              <a:t>10/11/24</a:t>
             </a:fld>
             <a:endParaRPr lang="en-US"/>
           </a:p>
@@ -1818,7 +1819,7 @@
           <a:p>
             <a:fld id="{3BE2C838-CE04-4357-99F6-BA540A1F8876}" type="datetimeFigureOut">
               <a:rPr lang="en-US" smtClean="0"/>
-              <a:t>9/2/2021</a:t>
+              <a:t>10/11/24</a:t>
             </a:fld>
             <a:endParaRPr lang="en-US"/>
           </a:p>
@@ -1959,7 +1960,7 @@
           <a:p>
             <a:fld id="{3BE2C838-CE04-4357-99F6-BA540A1F8876}" type="datetimeFigureOut">
               <a:rPr lang="en-US" smtClean="0"/>
-              <a:t>9/2/2021</a:t>
+              <a:t>10/11/24</a:t>
             </a:fld>
             <a:endParaRPr lang="en-US"/>
           </a:p>
@@ -2072,7 +2073,7 @@
           <a:p>
             <a:fld id="{3BE2C838-CE04-4357-99F6-BA540A1F8876}" type="datetimeFigureOut">
               <a:rPr lang="en-US" smtClean="0"/>
-              <a:t>9/2/2021</a:t>
+              <a:t>10/11/24</a:t>
             </a:fld>
             <a:endParaRPr lang="en-US"/>
           </a:p>
@@ -2383,7 +2384,7 @@
           <a:p>
             <a:fld id="{3BE2C838-CE04-4357-99F6-BA540A1F8876}" type="datetimeFigureOut">
               <a:rPr lang="en-US" smtClean="0"/>
-              <a:t>9/2/2021</a:t>
+              <a:t>10/11/24</a:t>
             </a:fld>
             <a:endParaRPr lang="en-US"/>
           </a:p>
@@ -2671,7 +2672,7 @@
           <a:p>
             <a:fld id="{3BE2C838-CE04-4357-99F6-BA540A1F8876}" type="datetimeFigureOut">
               <a:rPr lang="en-US" smtClean="0"/>
-              <a:t>9/2/2021</a:t>
+              <a:t>10/11/24</a:t>
             </a:fld>
             <a:endParaRPr lang="en-US"/>
           </a:p>
@@ -2912,7 +2913,7 @@
           <a:p>
             <a:fld id="{3BE2C838-CE04-4357-99F6-BA540A1F8876}" type="datetimeFigureOut">
               <a:rPr lang="en-US" smtClean="0"/>
-              <a:t>9/2/2021</a:t>
+              <a:t>10/11/24</a:t>
             </a:fld>
             <a:endParaRPr lang="en-US"/>
           </a:p>
@@ -3959,6 +3960,363 @@
   <p:cSld>
     <p:spTree>
       <p:nvGrpSpPr>
+        <p:cNvPr id="1" name="">
+          <a:extLst>
+            <a:ext uri="{FF2B5EF4-FFF2-40B4-BE49-F238E27FC236}">
+              <a16:creationId xmlns:a16="http://schemas.microsoft.com/office/drawing/2014/main" id="{DFDFCFD7-432B-AA56-F504-B77940427AB3}"/>
+            </a:ext>
+          </a:extLst>
+        </p:cNvPr>
+        <p:cNvGrpSpPr/>
+        <p:nvPr/>
+      </p:nvGrpSpPr>
+      <p:grpSpPr>
+        <a:xfrm>
+          <a:off x="0" y="0"/>
+          <a:ext cx="0" cy="0"/>
+          <a:chOff x="0" y="0"/>
+          <a:chExt cx="0" cy="0"/>
+        </a:xfrm>
+      </p:grpSpPr>
+      <p:grpSp>
+        <p:nvGrpSpPr>
+          <p:cNvPr id="4" name="Group 3">
+            <a:extLst>
+              <a:ext uri="{FF2B5EF4-FFF2-40B4-BE49-F238E27FC236}">
+                <a16:creationId xmlns:a16="http://schemas.microsoft.com/office/drawing/2014/main" id="{63201D84-F25F-0357-3E49-9CB0B8ADC189}"/>
+              </a:ext>
+            </a:extLst>
+          </p:cNvPr>
+          <p:cNvGrpSpPr/>
+          <p:nvPr/>
+        </p:nvGrpSpPr>
+        <p:grpSpPr>
+          <a:xfrm>
+            <a:off x="1066263" y="-134100"/>
+            <a:ext cx="8352744" cy="4007899"/>
+            <a:chOff x="1066263" y="-134100"/>
+            <a:chExt cx="8352744" cy="4007899"/>
+          </a:xfrm>
+        </p:grpSpPr>
+        <p:grpSp>
+          <p:nvGrpSpPr>
+            <p:cNvPr id="3" name="Group 2">
+              <a:extLst>
+                <a:ext uri="{FF2B5EF4-FFF2-40B4-BE49-F238E27FC236}">
+                  <a16:creationId xmlns:a16="http://schemas.microsoft.com/office/drawing/2014/main" id="{51AC52EC-B0B8-483A-E1E4-F8745A7D78EF}"/>
+                </a:ext>
+              </a:extLst>
+            </p:cNvPr>
+            <p:cNvGrpSpPr/>
+            <p:nvPr/>
+          </p:nvGrpSpPr>
+          <p:grpSpPr>
+            <a:xfrm>
+              <a:off x="1066263" y="809291"/>
+              <a:ext cx="8352744" cy="3064508"/>
+              <a:chOff x="1066263" y="809291"/>
+              <a:chExt cx="8352744" cy="3064508"/>
+            </a:xfrm>
+          </p:grpSpPr>
+          <p:grpSp>
+            <p:nvGrpSpPr>
+              <p:cNvPr id="5" name="Group 4">
+                <a:extLst>
+                  <a:ext uri="{FF2B5EF4-FFF2-40B4-BE49-F238E27FC236}">
+                    <a16:creationId xmlns:a16="http://schemas.microsoft.com/office/drawing/2014/main" id="{F19FE3BA-C7FB-A868-E81F-BE843E2A82A1}"/>
+                  </a:ext>
+                </a:extLst>
+              </p:cNvPr>
+              <p:cNvGrpSpPr/>
+              <p:nvPr/>
+            </p:nvGrpSpPr>
+            <p:grpSpPr>
+              <a:xfrm>
+                <a:off x="1066263" y="809291"/>
+                <a:ext cx="2201405" cy="2181324"/>
+                <a:chOff x="3007360" y="2294012"/>
+                <a:chExt cx="1945641" cy="1945641"/>
+              </a:xfrm>
+            </p:grpSpPr>
+            <p:sp>
+              <p:nvSpPr>
+                <p:cNvPr id="9" name="Rectangle 8">
+                  <a:extLst>
+                    <a:ext uri="{FF2B5EF4-FFF2-40B4-BE49-F238E27FC236}">
+                      <a16:creationId xmlns:a16="http://schemas.microsoft.com/office/drawing/2014/main" id="{94209BAC-A80B-7291-8928-4A72B8201360}"/>
+                    </a:ext>
+                  </a:extLst>
+                </p:cNvPr>
+                <p:cNvSpPr/>
+                <p:nvPr/>
+              </p:nvSpPr>
+              <p:spPr>
+                <a:xfrm>
+                  <a:off x="4510421" y="2933947"/>
+                  <a:ext cx="184731" cy="400110"/>
+                </a:xfrm>
+                <a:prstGeom prst="rect">
+                  <a:avLst/>
+                </a:prstGeom>
+                <a:noFill/>
+              </p:spPr>
+              <p:txBody>
+                <a:bodyPr wrap="none" lIns="91440" tIns="45720" rIns="91440" bIns="45720">
+                  <a:spAutoFit/>
+                </a:bodyPr>
+                <a:lstStyle/>
+                <a:p>
+                  <a:pPr algn="ctr"/>
+                  <a:endParaRPr lang="en-US" sz="2000" b="1" kern="1700" cap="none" spc="600" dirty="0">
+                    <a:ln w="0"/>
+                    <a:solidFill>
+                      <a:srgbClr val="0A2B3D"/>
+                    </a:solidFill>
+                    <a:latin typeface="Bahnschrift Light Condensed" panose="020B0502040204020203" pitchFamily="34" charset="0"/>
+                    <a:ea typeface="Source Sans Pro SemiBold" panose="020B0603030403020204" pitchFamily="34" charset="0"/>
+                    <a:cs typeface="Open Sans" panose="020B0606030504020204" pitchFamily="34" charset="0"/>
+                  </a:endParaRPr>
+                </a:p>
+              </p:txBody>
+            </p:sp>
+            <p:pic>
+              <p:nvPicPr>
+                <p:cNvPr id="10" name="Picture 9" descr="Icon&#10;&#10;Description automatically generated">
+                  <a:extLst>
+                    <a:ext uri="{FF2B5EF4-FFF2-40B4-BE49-F238E27FC236}">
+                      <a16:creationId xmlns:a16="http://schemas.microsoft.com/office/drawing/2014/main" id="{0682856C-E394-B1BB-1D2C-6C305AE60ADC}"/>
+                    </a:ext>
+                  </a:extLst>
+                </p:cNvPr>
+                <p:cNvPicPr>
+                  <a:picLocks noChangeAspect="1"/>
+                </p:cNvPicPr>
+                <p:nvPr/>
+              </p:nvPicPr>
+              <p:blipFill>
+                <a:blip r:embed="rId2">
+                  <a:extLst>
+                    <a:ext uri="{28A0092B-C50C-407E-A947-70E740481C1C}">
+                      <a14:useLocalDpi xmlns:a14="http://schemas.microsoft.com/office/drawing/2010/main" val="0"/>
+                    </a:ext>
+                  </a:extLst>
+                </a:blip>
+                <a:stretch>
+                  <a:fillRect/>
+                </a:stretch>
+              </p:blipFill>
+              <p:spPr>
+                <a:xfrm>
+                  <a:off x="3007360" y="2294012"/>
+                  <a:ext cx="1945641" cy="1945641"/>
+                </a:xfrm>
+                <a:prstGeom prst="rect">
+                  <a:avLst/>
+                </a:prstGeom>
+              </p:spPr>
+            </p:pic>
+          </p:grpSp>
+          <p:sp>
+            <p:nvSpPr>
+              <p:cNvPr id="12" name="Half Frame 11">
+                <a:extLst>
+                  <a:ext uri="{FF2B5EF4-FFF2-40B4-BE49-F238E27FC236}">
+                    <a16:creationId xmlns:a16="http://schemas.microsoft.com/office/drawing/2014/main" id="{C39828FB-3039-30DA-0F99-BB54748F5B1A}"/>
+                  </a:ext>
+                </a:extLst>
+              </p:cNvPr>
+              <p:cNvSpPr/>
+              <p:nvPr/>
+            </p:nvSpPr>
+            <p:spPr>
+              <a:xfrm rot="5400000" flipH="1">
+                <a:off x="4971445" y="-1286670"/>
+                <a:ext cx="593381" cy="8301743"/>
+              </a:xfrm>
+              <a:prstGeom prst="halfFrame">
+                <a:avLst/>
+              </a:prstGeom>
+              <a:solidFill>
+                <a:srgbClr val="FF5D39"/>
+              </a:solidFill>
+              <a:ln>
+                <a:solidFill>
+                  <a:srgbClr val="FF5D39"/>
+                </a:solidFill>
+              </a:ln>
+            </p:spPr>
+            <p:style>
+              <a:lnRef idx="2">
+                <a:schemeClr val="accent1">
+                  <a:shade val="50000"/>
+                </a:schemeClr>
+              </a:lnRef>
+              <a:fillRef idx="1">
+                <a:schemeClr val="accent1"/>
+              </a:fillRef>
+              <a:effectRef idx="0">
+                <a:schemeClr val="accent1"/>
+              </a:effectRef>
+              <a:fontRef idx="minor">
+                <a:schemeClr val="lt1"/>
+              </a:fontRef>
+            </p:style>
+            <p:txBody>
+              <a:bodyPr rtlCol="0" anchor="ctr"/>
+              <a:lstStyle/>
+              <a:p>
+                <a:pPr algn="ctr"/>
+                <a:endParaRPr lang="en-US">
+                  <a:solidFill>
+                    <a:schemeClr val="tx1"/>
+                  </a:solidFill>
+                </a:endParaRPr>
+              </a:p>
+            </p:txBody>
+          </p:sp>
+          <p:sp>
+            <p:nvSpPr>
+              <p:cNvPr id="13" name="Rectangle 12">
+                <a:extLst>
+                  <a:ext uri="{FF2B5EF4-FFF2-40B4-BE49-F238E27FC236}">
+                    <a16:creationId xmlns:a16="http://schemas.microsoft.com/office/drawing/2014/main" id="{2E02BF01-455E-0EC2-3F4D-075C31039F62}"/>
+                  </a:ext>
+                </a:extLst>
+              </p:cNvPr>
+              <p:cNvSpPr/>
+              <p:nvPr/>
+            </p:nvSpPr>
+            <p:spPr>
+              <a:xfrm>
+                <a:off x="2271160" y="3165913"/>
+                <a:ext cx="5993949" cy="707886"/>
+              </a:xfrm>
+              <a:prstGeom prst="rect">
+                <a:avLst/>
+              </a:prstGeom>
+              <a:noFill/>
+            </p:spPr>
+            <p:txBody>
+              <a:bodyPr wrap="none" lIns="91440" tIns="45720" rIns="91440" bIns="45720">
+                <a:spAutoFit/>
+              </a:bodyPr>
+              <a:lstStyle/>
+              <a:p>
+                <a:pPr algn="ctr"/>
+                <a:r>
+                  <a:rPr lang="en-US" sz="4000" b="1" spc="600" dirty="0">
+                    <a:ln w="0"/>
+                    <a:solidFill>
+                      <a:srgbClr val="0A2B3D"/>
+                    </a:solidFill>
+                    <a:latin typeface="Bahnschrift SemiBold" panose="020B0502040204020203" pitchFamily="34" charset="0"/>
+                    <a:ea typeface="Source Sans Pro SemiBold" panose="020B0603030403020204" pitchFamily="34" charset="0"/>
+                    <a:cs typeface="Open Sans" panose="020B0606030504020204" pitchFamily="34" charset="0"/>
+                  </a:rPr>
+                  <a:t>i</a:t>
+                </a:r>
+                <a:r>
+                  <a:rPr lang="en-US" sz="4000" b="1" cap="none" spc="600" dirty="0">
+                    <a:ln w="0"/>
+                    <a:solidFill>
+                      <a:srgbClr val="0A2B3D"/>
+                    </a:solidFill>
+                    <a:latin typeface="Bahnschrift SemiBold" panose="020B0502040204020203" pitchFamily="34" charset="0"/>
+                    <a:ea typeface="Source Sans Pro SemiBold" panose="020B0603030403020204" pitchFamily="34" charset="0"/>
+                    <a:cs typeface="Open Sans" panose="020B0606030504020204" pitchFamily="34" charset="0"/>
+                  </a:rPr>
+                  <a:t> n v e s t m e n t s</a:t>
+                </a:r>
+              </a:p>
+            </p:txBody>
+          </p:sp>
+        </p:grpSp>
+        <p:sp>
+          <p:nvSpPr>
+            <p:cNvPr id="2" name="Rectangle 1">
+              <a:extLst>
+                <a:ext uri="{FF2B5EF4-FFF2-40B4-BE49-F238E27FC236}">
+                  <a16:creationId xmlns:a16="http://schemas.microsoft.com/office/drawing/2014/main" id="{8DF4E974-7226-4701-0DB6-CCD62E2BE986}"/>
+                </a:ext>
+              </a:extLst>
+            </p:cNvPr>
+            <p:cNvSpPr/>
+            <p:nvPr/>
+          </p:nvSpPr>
+          <p:spPr>
+            <a:xfrm>
+              <a:off x="3216667" y="-134100"/>
+              <a:ext cx="6202339" cy="3770263"/>
+            </a:xfrm>
+            <a:prstGeom prst="rect">
+              <a:avLst/>
+            </a:prstGeom>
+            <a:noFill/>
+          </p:spPr>
+          <p:txBody>
+            <a:bodyPr wrap="none" lIns="91440" tIns="45720" rIns="91440" bIns="45720">
+              <a:spAutoFit/>
+            </a:bodyPr>
+            <a:lstStyle/>
+            <a:p>
+              <a:pPr algn="ctr"/>
+              <a:r>
+                <a:rPr lang="en-US" sz="23900" b="1" cap="none" spc="-300" dirty="0" err="1">
+                  <a:ln w="0"/>
+                  <a:solidFill>
+                    <a:srgbClr val="0A2B3D"/>
+                  </a:solidFill>
+                  <a:effectLst>
+                    <a:outerShdw blurRad="38100" dist="19050" dir="2700000" algn="tl" rotWithShape="0">
+                      <a:schemeClr val="dk1">
+                        <a:alpha val="40000"/>
+                      </a:schemeClr>
+                    </a:outerShdw>
+                  </a:effectLst>
+                  <a:latin typeface="Bahnschrift SemiBold" panose="020B0502040204020203" pitchFamily="34" charset="0"/>
+                  <a:ea typeface="Source Sans Pro SemiBold" panose="020B0603030403020204" pitchFamily="34" charset="0"/>
+                  <a:cs typeface="Open Sans" panose="020B0606030504020204" pitchFamily="34" charset="0"/>
+                </a:rPr>
+                <a:t>asre</a:t>
+              </a:r>
+              <a:endParaRPr lang="en-US" sz="9600" b="1" cap="none" spc="-300" dirty="0">
+                <a:ln w="0"/>
+                <a:solidFill>
+                  <a:srgbClr val="0A2B3D"/>
+                </a:solidFill>
+                <a:effectLst>
+                  <a:outerShdw blurRad="38100" dist="19050" dir="2700000" algn="tl" rotWithShape="0">
+                    <a:schemeClr val="dk1">
+                      <a:alpha val="40000"/>
+                    </a:schemeClr>
+                  </a:outerShdw>
+                </a:effectLst>
+                <a:latin typeface="Bahnschrift SemiBold" panose="020B0502040204020203" pitchFamily="34" charset="0"/>
+                <a:ea typeface="Source Sans Pro SemiBold" panose="020B0603030403020204" pitchFamily="34" charset="0"/>
+                <a:cs typeface="Open Sans" panose="020B0606030504020204" pitchFamily="34" charset="0"/>
+              </a:endParaRPr>
+            </a:p>
+          </p:txBody>
+        </p:sp>
+      </p:grpSp>
+    </p:spTree>
+    <p:extLst>
+      <p:ext uri="{BB962C8B-B14F-4D97-AF65-F5344CB8AC3E}">
+        <p14:creationId xmlns:p14="http://schemas.microsoft.com/office/powerpoint/2010/main" val="982826832"/>
+      </p:ext>
+    </p:extLst>
+  </p:cSld>
+  <p:clrMapOvr>
+    <a:masterClrMapping/>
+  </p:clrMapOvr>
+</p:sld>
+</file>
+
+<file path=ppt/slides/slide4.xml><?xml version="1.0" encoding="utf-8"?>
+<p:sld xmlns:a="http://schemas.openxmlformats.org/drawingml/2006/main" xmlns:r="http://schemas.openxmlformats.org/officeDocument/2006/relationships" xmlns:p="http://schemas.openxmlformats.org/presentationml/2006/main">
+  <p:cSld>
+    <p:spTree>
+      <p:nvGrpSpPr>
         <p:cNvPr id="1" name=""/>
         <p:cNvGrpSpPr/>
         <p:nvPr/>
@@ -4272,7 +4630,7 @@
 </p:sld>
 </file>
 
-<file path=ppt/slides/slide4.xml><?xml version="1.0" encoding="utf-8"?>
+<file path=ppt/slides/slide5.xml><?xml version="1.0" encoding="utf-8"?>
 <p:sld xmlns:a="http://schemas.openxmlformats.org/drawingml/2006/main" xmlns:r="http://schemas.openxmlformats.org/officeDocument/2006/relationships" xmlns:p="http://schemas.openxmlformats.org/presentationml/2006/main">
   <p:cSld>
     <p:spTree>
